--- a/slides/0 Baixando Projeto do GitHub.pptx
+++ b/slides/0 Baixando Projeto do GitHub.pptx
@@ -3308,18 +3308,18 @@
               <a:buNone/>
             </a:pPr>
             <a:r>
-              <a:rPr lang="pt-BR" sz="2800" dirty="0">
+              <a:rPr lang="pt-BR" sz="2600" dirty="0">
                 <a:hlinkClick r:id="rId3"/>
               </a:rPr>
-              <a:t>https://github.com/A-l-e-s/smartphone-parish-app</a:t>
-            </a:r>
-            <a:r>
-              <a:rPr lang="pt-BR" sz="2800" dirty="0" smtClean="0">
+              <a:t>https://</a:t>
+            </a:r>
+            <a:r>
+              <a:rPr lang="pt-BR" sz="2600" dirty="0" smtClean="0">
                 <a:hlinkClick r:id="rId3"/>
               </a:rPr>
-              <a:t>/</a:t>
-            </a:r>
-            <a:endParaRPr lang="pt-BR" sz="2800" dirty="0" smtClean="0"/>
+              <a:t>github.com/A-Ribeiro/smartphone-parish-app/</a:t>
+            </a:r>
+            <a:endParaRPr lang="pt-BR" sz="2600" dirty="0" smtClean="0"/>
           </a:p>
           <a:p>
             <a:pPr marL="0" indent="0">
@@ -3403,7 +3403,7 @@
         <p:spPr/>
         <p:txBody>
           <a:bodyPr>
-            <a:normAutofit lnSpcReduction="10000"/>
+            <a:normAutofit/>
           </a:bodyPr>
           <a:lstStyle/>
           <a:p>
@@ -3455,12 +3455,24 @@
               <a:buNone/>
             </a:pPr>
             <a:r>
-              <a:rPr lang="pt-BR" sz="2800" dirty="0">
+              <a:rPr lang="pt-BR" sz="2400" dirty="0">
                 <a:hlinkClick r:id="rId2"/>
               </a:rPr>
-              <a:t>https://github.com/A-l-e-s/smartphone-parish-app/</a:t>
-            </a:r>
-            <a:endParaRPr lang="pt-BR" sz="2800" dirty="0"/>
+              <a:t>https://</a:t>
+            </a:r>
+            <a:r>
+              <a:rPr lang="pt-BR" sz="2400" dirty="0" smtClean="0">
+                <a:hlinkClick r:id="rId2"/>
+              </a:rPr>
+              <a:t>github.com/A-Ribeiro/smartphone-parish-app</a:t>
+            </a:r>
+            <a:r>
+              <a:rPr lang="pt-BR" sz="2400" dirty="0">
+                <a:hlinkClick r:id="rId2"/>
+              </a:rPr>
+              <a:t>/</a:t>
+            </a:r>
+            <a:endParaRPr lang="pt-BR" sz="2400" dirty="0"/>
           </a:p>
           <a:p>
             <a:pPr marL="0" indent="0">
@@ -3540,6 +3552,13 @@
   <p:clrMapOvr>
     <a:masterClrMapping/>
   </p:clrMapOvr>
+  <p:timing>
+    <p:tnLst>
+      <p:par>
+        <p:cTn id="1" dur="indefinite" restart="never" nodeType="tmRoot"/>
+      </p:par>
+    </p:tnLst>
+  </p:timing>
 </p:sld>
 </file>
 
